--- a/02-C#-DotNET-VS2013.pptx
+++ b/02-C#-DotNET-VS2013.pptx
@@ -3766,6 +3766,13 @@
   <p:clrMapOvr>
     <a:masterClrMapping/>
   </p:clrMapOvr>
+  <p:timing>
+    <p:tnLst>
+      <p:par>
+        <p:cTn id="1" dur="indefinite" restart="never" nodeType="tmRoot"/>
+      </p:par>
+    </p:tnLst>
+  </p:timing>
 </p:sld>
 </file>
 
@@ -3908,6 +3915,13 @@
   <p:clrMapOvr>
     <a:masterClrMapping/>
   </p:clrMapOvr>
+  <p:timing>
+    <p:tnLst>
+      <p:par>
+        <p:cTn id="1" dur="indefinite" restart="never" nodeType="tmRoot"/>
+      </p:par>
+    </p:tnLst>
+  </p:timing>
 </p:sld>
 </file>
 
@@ -4022,12 +4036,22 @@
               </a:rPr>
               <a:t>References</a:t>
             </a:r>
-          </a:p>
-          <a:p>
-            <a:pPr marL="0" indent="0">
-              <a:buNone/>
-            </a:pPr>
             <a:endParaRPr lang="en-US" dirty="0">
+              <a:solidFill>
+                <a:schemeClr val="bg1"/>
+              </a:solidFill>
+            </a:endParaRPr>
+          </a:p>
+          <a:p>
+            <a:r>
+              <a:rPr lang="en-US" dirty="0" smtClean="0">
+                <a:solidFill>
+                  <a:schemeClr val="bg1"/>
+                </a:solidFill>
+              </a:rPr>
+              <a:t>Tools</a:t>
+            </a:r>
+            <a:endParaRPr lang="en-US" dirty="0" smtClean="0">
               <a:solidFill>
                 <a:schemeClr val="bg1"/>
               </a:solidFill>
@@ -4045,6 +4069,13 @@
   <p:clrMapOvr>
     <a:masterClrMapping/>
   </p:clrMapOvr>
+  <p:timing>
+    <p:tnLst>
+      <p:par>
+        <p:cTn id="1" dur="indefinite" restart="never" nodeType="tmRoot"/>
+      </p:par>
+    </p:tnLst>
+  </p:timing>
 </p:sld>
 </file>
 
@@ -4317,7 +4348,7 @@
                   </a:schemeClr>
                 </a:solidFill>
               </a:rPr>
-              <a:t>Напишете вашата първа програма на </a:t>
+              <a:t>Създайте </a:t>
             </a:r>
             <a:r>
               <a:rPr lang="en-US" dirty="0" smtClean="0">
@@ -4327,28 +4358,170 @@
                   </a:schemeClr>
                 </a:solidFill>
               </a:rPr>
-              <a:t>C#</a:t>
-            </a:r>
-            <a:r>
-              <a:rPr lang="bg-BG" dirty="0" smtClean="0">
+              <a:t>Empty solution</a:t>
+            </a:r>
+            <a:r>
+              <a:rPr lang="bg-BG" dirty="0">
                 <a:solidFill>
                   <a:schemeClr val="bg1">
                     <a:lumMod val="95000"/>
                   </a:schemeClr>
                 </a:solidFill>
               </a:rPr>
-              <a:t>, която да извежда на екрана следния текст: </a:t>
-            </a:r>
-            <a:r>
-              <a:rPr lang="en-US" dirty="0" smtClean="0">
+              <a:t> </a:t>
+            </a:r>
+            <a:r>
+              <a:rPr lang="bg-BG" dirty="0" smtClean="0">
                 <a:solidFill>
                   <a:schemeClr val="bg1">
                     <a:lumMod val="95000"/>
                   </a:schemeClr>
                 </a:solidFill>
               </a:rPr>
-              <a:t>Hello World! This is my first program!</a:t>
-            </a:r>
+              <a:t>с име </a:t>
+            </a:r>
+            <a:r>
+              <a:rPr lang="en-US" dirty="0" err="1" smtClean="0">
+                <a:solidFill>
+                  <a:schemeClr val="bg1">
+                    <a:lumMod val="95000"/>
+                  </a:schemeClr>
+                </a:solidFill>
+              </a:rPr>
+              <a:t>HelloCsharpHomework</a:t>
+            </a:r>
+            <a:r>
+              <a:rPr lang="en-US" dirty="0" smtClean="0">
+                <a:solidFill>
+                  <a:schemeClr val="bg1">
+                    <a:lumMod val="95000"/>
+                  </a:schemeClr>
+                </a:solidFill>
+              </a:rPr>
+              <a:t>. </a:t>
+            </a:r>
+            <a:r>
+              <a:rPr lang="bg-BG" dirty="0" smtClean="0">
+                <a:solidFill>
+                  <a:schemeClr val="bg1">
+                    <a:lumMod val="95000"/>
+                  </a:schemeClr>
+                </a:solidFill>
+              </a:rPr>
+              <a:t>В него създайте проект с име </a:t>
+            </a:r>
+            <a:r>
+              <a:rPr lang="en-US" dirty="0" err="1" smtClean="0">
+                <a:solidFill>
+                  <a:schemeClr val="bg1">
+                    <a:lumMod val="95000"/>
+                  </a:schemeClr>
+                </a:solidFill>
+              </a:rPr>
+              <a:t>ThisIsMyFirstProject</a:t>
+            </a:r>
+            <a:r>
+              <a:rPr lang="en-US" dirty="0" smtClean="0">
+                <a:solidFill>
+                  <a:schemeClr val="bg1">
+                    <a:lumMod val="95000"/>
+                  </a:schemeClr>
+                </a:solidFill>
+              </a:rPr>
+              <a:t>, </a:t>
+            </a:r>
+            <a:r>
+              <a:rPr lang="bg-BG" dirty="0" smtClean="0">
+                <a:solidFill>
+                  <a:schemeClr val="bg1">
+                    <a:lumMod val="95000"/>
+                  </a:schemeClr>
+                </a:solidFill>
+              </a:rPr>
+              <a:t>който изкарва на екрана на 2 отделни реда информация за вас</a:t>
+            </a:r>
+            <a:r>
+              <a:rPr lang="en-US" dirty="0" smtClean="0">
+                <a:solidFill>
+                  <a:schemeClr val="bg1">
+                    <a:lumMod val="95000"/>
+                  </a:schemeClr>
+                </a:solidFill>
+              </a:rPr>
+              <a:t>:</a:t>
+            </a:r>
+            <a:r>
+              <a:rPr lang="bg-BG" dirty="0" smtClean="0">
+                <a:solidFill>
+                  <a:schemeClr val="bg1">
+                    <a:lumMod val="95000"/>
+                  </a:schemeClr>
+                </a:solidFill>
+              </a:rPr>
+              <a:t> 3 имена</a:t>
+            </a:r>
+            <a:r>
+              <a:rPr lang="en-US" dirty="0" smtClean="0">
+                <a:solidFill>
+                  <a:schemeClr val="bg1">
+                    <a:lumMod val="95000"/>
+                  </a:schemeClr>
+                </a:solidFill>
+              </a:rPr>
+              <a:t> </a:t>
+            </a:r>
+            <a:r>
+              <a:rPr lang="bg-BG" dirty="0" smtClean="0">
+                <a:solidFill>
+                  <a:schemeClr val="bg1">
+                    <a:lumMod val="95000"/>
+                  </a:schemeClr>
+                </a:solidFill>
+              </a:rPr>
+              <a:t>дата</a:t>
+            </a:r>
+          </a:p>
+          <a:p>
+            <a:pPr>
+              <a:buFont typeface="Wingdings" panose="05000000000000000000" pitchFamily="2" charset="2"/>
+              <a:buChar char="§"/>
+            </a:pPr>
+            <a:r>
+              <a:rPr lang="bg-BG" dirty="0" smtClean="0">
+                <a:solidFill>
+                  <a:schemeClr val="bg1">
+                    <a:lumMod val="95000"/>
+                  </a:schemeClr>
+                </a:solidFill>
+              </a:rPr>
+              <a:t>Създайте 2ри проект, който изкарва на екрана сумата от 2 числа, предварително зададени в метода </a:t>
+            </a:r>
+            <a:r>
+              <a:rPr lang="en-US" dirty="0" err="1" smtClean="0">
+                <a:solidFill>
+                  <a:schemeClr val="bg1">
+                    <a:lumMod val="95000"/>
+                  </a:schemeClr>
+                </a:solidFill>
+              </a:rPr>
+              <a:t>Console.WriteLine</a:t>
+            </a:r>
+            <a:r>
+              <a:rPr lang="en-US" dirty="0" smtClean="0">
+                <a:solidFill>
+                  <a:schemeClr val="bg1">
+                    <a:lumMod val="95000"/>
+                  </a:schemeClr>
+                </a:solidFill>
+              </a:rPr>
+              <a:t>()</a:t>
+            </a:r>
+          </a:p>
+          <a:p>
+            <a:pPr>
+              <a:buFont typeface="Wingdings" panose="05000000000000000000" pitchFamily="2" charset="2"/>
+              <a:buChar char="§"/>
+            </a:pPr>
             <a:endParaRPr lang="bg-BG" dirty="0" smtClean="0">
               <a:solidFill>
                 <a:schemeClr val="bg1">
@@ -4563,6 +4736,13 @@
   <p:clrMapOvr>
     <a:masterClrMapping/>
   </p:clrMapOvr>
+  <p:timing>
+    <p:tnLst>
+      <p:par>
+        <p:cTn id="1" dur="indefinite" restart="never" nodeType="tmRoot"/>
+      </p:par>
+    </p:tnLst>
+  </p:timing>
 </p:sld>
 </file>
 
@@ -4824,6 +5004,13 @@
   <p:clrMapOvr>
     <a:masterClrMapping/>
   </p:clrMapOvr>
+  <p:timing>
+    <p:tnLst>
+      <p:par>
+        <p:cTn id="1" dur="indefinite" restart="never" nodeType="tmRoot"/>
+      </p:par>
+    </p:tnLst>
+  </p:timing>
 </p:sld>
 </file>
 
@@ -4995,6 +5182,13 @@
   <p:clrMapOvr>
     <a:masterClrMapping/>
   </p:clrMapOvr>
+  <p:timing>
+    <p:tnLst>
+      <p:par>
+        <p:cTn id="1" dur="indefinite" restart="never" nodeType="tmRoot"/>
+      </p:par>
+    </p:tnLst>
+  </p:timing>
 </p:sld>
 </file>
 
@@ -5164,6 +5358,13 @@
   <p:clrMapOvr>
     <a:masterClrMapping/>
   </p:clrMapOvr>
+  <p:timing>
+    <p:tnLst>
+      <p:par>
+        <p:cTn id="1" dur="indefinite" restart="never" nodeType="tmRoot"/>
+      </p:par>
+    </p:tnLst>
+  </p:timing>
 </p:sld>
 </file>
 
@@ -5395,6 +5596,13 @@
   <p:clrMapOvr>
     <a:masterClrMapping/>
   </p:clrMapOvr>
+  <p:timing>
+    <p:tnLst>
+      <p:par>
+        <p:cTn id="1" dur="indefinite" restart="never" nodeType="tmRoot"/>
+      </p:par>
+    </p:tnLst>
+  </p:timing>
 </p:sld>
 </file>
 
@@ -5573,6 +5781,13 @@
   <p:clrMapOvr>
     <a:masterClrMapping/>
   </p:clrMapOvr>
+  <p:timing>
+    <p:tnLst>
+      <p:par>
+        <p:cTn id="1" dur="indefinite" restart="never" nodeType="tmRoot"/>
+      </p:par>
+    </p:tnLst>
+  </p:timing>
 </p:sld>
 </file>
 
@@ -5778,6 +5993,13 @@
   <p:clrMapOvr>
     <a:masterClrMapping/>
   </p:clrMapOvr>
+  <p:timing>
+    <p:tnLst>
+      <p:par>
+        <p:cTn id="1" dur="indefinite" restart="never" nodeType="tmRoot"/>
+      </p:par>
+    </p:tnLst>
+  </p:timing>
 </p:sld>
 </file>
 
@@ -5924,6 +6146,13 @@
   <p:clrMapOvr>
     <a:masterClrMapping/>
   </p:clrMapOvr>
+  <p:timing>
+    <p:tnLst>
+      <p:par>
+        <p:cTn id="1" dur="indefinite" restart="never" nodeType="tmRoot"/>
+      </p:par>
+    </p:tnLst>
+  </p:timing>
 </p:sld>
 </file>
 
